--- a/Data Structures and Algorithms/SpanningTree/SpanningTree.pptx
+++ b/Data Structures and Algorithms/SpanningTree/SpanningTree.pptx
@@ -4582,7 +4582,27 @@
                 <a:effectLst/>
                 <a:latin typeface="euclid_circular_a"/>
               </a:rPr>
-              <a:t>Minimum Spanning Tree</a:t>
+              <a:t>Minimum Spanning Tree(</a:t>
+            </a:r>
+            <a:r>
+              <a:rPr lang="en-US" sz="4400" b="1" i="0" dirty="0">
+                <a:solidFill>
+                  <a:srgbClr val="000000"/>
+                </a:solidFill>
+                <a:effectLst/>
+                <a:latin typeface="cera"/>
+              </a:rPr>
+              <a:t>minimum weight spanning tree</a:t>
+            </a:r>
+            <a:r>
+              <a:rPr lang="en-US" b="1" i="0" dirty="0">
+                <a:solidFill>
+                  <a:srgbClr val="25265E"/>
+                </a:solidFill>
+                <a:effectLst/>
+                <a:latin typeface="euclid_circular_a"/>
+              </a:rPr>
+              <a:t>)</a:t>
             </a:r>
             <a:endParaRPr lang="en-US" dirty="0"/>
           </a:p>

--- a/Data Structures and Algorithms/SpanningTree/SpanningTree.pptx
+++ b/Data Structures and Algorithms/SpanningTree/SpanningTree.pptx
@@ -374,7 +374,7 @@
           <a:p>
             <a:fld id="{9184DA70-C731-4C70-880D-CCD4705E623C}" type="datetime1">
               <a:rPr lang="en-US" smtClean="0"/>
-              <a:t>12/30/2021</a:t>
+              <a:t>1/3/2022</a:t>
             </a:fld>
             <a:endParaRPr lang="en-US" dirty="0"/>
           </a:p>
@@ -562,7 +562,7 @@
           <a:p>
             <a:fld id="{B612A279-0833-481D-8C56-F67FD0AC6C50}" type="datetime1">
               <a:rPr lang="en-US" smtClean="0"/>
-              <a:t>12/30/2021</a:t>
+              <a:t>1/3/2022</a:t>
             </a:fld>
             <a:endParaRPr lang="en-US" dirty="0"/>
           </a:p>
@@ -804,7 +804,7 @@
           <a:p>
             <a:fld id="{6587DA83-5663-4C9C-B9AA-0B40A3DAFF81}" type="datetime1">
               <a:rPr lang="en-US" smtClean="0"/>
-              <a:t>12/30/2021</a:t>
+              <a:t>1/3/2022</a:t>
             </a:fld>
             <a:endParaRPr lang="en-US" dirty="0"/>
           </a:p>
@@ -992,7 +992,7 @@
           <a:p>
             <a:fld id="{4BE1D723-8F53-4F53-90B0-1982A396982E}" type="datetime1">
               <a:rPr lang="en-US" smtClean="0"/>
-              <a:t>12/30/2021</a:t>
+              <a:t>1/3/2022</a:t>
             </a:fld>
             <a:endParaRPr lang="en-US" dirty="0"/>
           </a:p>
@@ -1365,7 +1365,7 @@
           <a:p>
             <a:fld id="{97669AF7-7BEB-44E4-9852-375E34362B5B}" type="datetime1">
               <a:rPr lang="en-US" smtClean="0"/>
-              <a:t>12/30/2021</a:t>
+              <a:t>1/3/2022</a:t>
             </a:fld>
             <a:endParaRPr lang="en-US" dirty="0"/>
           </a:p>
@@ -1620,7 +1620,7 @@
           <a:p>
             <a:fld id="{BAAAC38D-0552-4C82-B593-E6124DFADBE2}" type="datetime1">
               <a:rPr lang="en-US" smtClean="0"/>
-              <a:t>12/30/2021</a:t>
+              <a:t>1/3/2022</a:t>
             </a:fld>
             <a:endParaRPr lang="en-US" dirty="0"/>
           </a:p>
@@ -2017,7 +2017,7 @@
           <a:p>
             <a:fld id="{D9DF0F1C-5577-4ACB-BB62-DF8F3C494C7E}" type="datetime1">
               <a:rPr lang="en-US" smtClean="0"/>
-              <a:t>12/30/2021</a:t>
+              <a:t>1/3/2022</a:t>
             </a:fld>
             <a:endParaRPr lang="en-US" dirty="0"/>
           </a:p>
@@ -2153,7 +2153,7 @@
           <a:p>
             <a:fld id="{1775B394-D9F9-4F0C-B15D-605F45CB9E9F}" type="datetime1">
               <a:rPr lang="en-US" smtClean="0"/>
-              <a:t>12/30/2021</a:t>
+              <a:t>1/3/2022</a:t>
             </a:fld>
             <a:endParaRPr lang="en-US" dirty="0"/>
           </a:p>
@@ -2310,7 +2310,7 @@
           <a:p>
             <a:fld id="{39667345-2558-425A-8533-9BFDBCE15005}" type="datetime1">
               <a:rPr lang="en-US" smtClean="0"/>
-              <a:t>12/30/2021</a:t>
+              <a:t>1/3/2022</a:t>
             </a:fld>
             <a:endParaRPr lang="en-US" dirty="0"/>
           </a:p>
@@ -2639,7 +2639,7 @@
           <a:p>
             <a:fld id="{92BEA474-078D-4E9B-9B14-09A87B19DC46}" type="datetime1">
               <a:rPr lang="en-US" smtClean="0"/>
-              <a:t>12/30/2021</a:t>
+              <a:t>1/3/2022</a:t>
             </a:fld>
             <a:endParaRPr lang="en-US" dirty="0"/>
           </a:p>
@@ -2989,7 +2989,7 @@
           <a:p>
             <a:fld id="{4907D986-8816-4272-A432-0437A28A9828}" type="datetime1">
               <a:rPr lang="en-US" smtClean="0"/>
-              <a:t>12/30/2021</a:t>
+              <a:t>1/3/2022</a:t>
             </a:fld>
             <a:endParaRPr lang="en-US" dirty="0"/>
           </a:p>
@@ -3250,7 +3250,7 @@
           <a:p>
             <a:fld id="{62D6E202-B606-4609-B914-27C9371A1F6D}" type="datetime1">
               <a:rPr lang="en-US" smtClean="0"/>
-              <a:t>12/30/2021</a:t>
+              <a:t>1/3/2022</a:t>
             </a:fld>
             <a:endParaRPr lang="en-US" dirty="0"/>
           </a:p>
@@ -6242,7 +6242,11 @@
           <a:p>
             <a:r>
               <a:rPr lang="en-US" sz="4400" dirty="0"/>
-              <a:t>a complete graph is equal to n(n-2).</a:t>
+              <a:t>a complete graph is equal to n</a:t>
+            </a:r>
+            <a:r>
+              <a:rPr lang="en-US" sz="4400" baseline="30000" dirty="0"/>
+              <a:t>(n-2).</a:t>
             </a:r>
           </a:p>
         </p:txBody>
@@ -6283,7 +6287,15 @@
           <a:p>
             <a:r>
               <a:rPr lang="en-US" sz="2400" dirty="0"/>
-              <a:t>is equal to 44-2 = 16.Thus, 16 spanning trees can be formed from </a:t>
+              <a:t>is equal to 4</a:t>
+            </a:r>
+            <a:r>
+              <a:rPr lang="en-US" sz="2400" baseline="30000" dirty="0"/>
+              <a:t>4-2</a:t>
+            </a:r>
+            <a:r>
+              <a:rPr lang="en-US" sz="2400" dirty="0"/>
+              <a:t> = 16.Thus, 16 spanning trees can be formed from </a:t>
             </a:r>
           </a:p>
           <a:p>
